--- a/Document/No.1_織田武瑠.pptx
+++ b/Document/No.1_織田武瑠.pptx
@@ -2028,7 +2028,7 @@
           <a:bodyPr/>
           <a:lstStyle/>
           <a:p>
-            <a:fld id="{034187D7-0EC8-428D-B08D-C17849C44813}" type="datetime1">
+            <a:fld id="{C5FFEB74-9E05-4A5B-BA83-EE33B0AD44C0}" type="datetime1">
               <a:rPr lang="en-US" altLang="ja-JP" smtClean="0"/>
               <a:t>10/24/2019</a:t>
             </a:fld>
@@ -2263,7 +2263,7 @@
           <a:bodyPr/>
           <a:lstStyle/>
           <a:p>
-            <a:fld id="{78D7D897-503A-43F5-AAB4-D368546BDE2B}" type="datetime1">
+            <a:fld id="{035EE006-79CF-46BA-B2EC-1ABC37243585}" type="datetime1">
               <a:rPr lang="en-US" altLang="ja-JP" smtClean="0"/>
               <a:t>10/24/2019</a:t>
             </a:fld>
@@ -2504,7 +2504,7 @@
           <a:bodyPr/>
           <a:lstStyle/>
           <a:p>
-            <a:fld id="{FD7459B2-F0CC-4796-83AB-0DA779FBEB90}" type="datetime1">
+            <a:fld id="{700D70A6-1621-4BFE-83BE-FEA19D0D52A0}" type="datetime1">
               <a:rPr lang="en-US" altLang="ja-JP" smtClean="0"/>
               <a:t>10/24/2019</a:t>
             </a:fld>
@@ -2735,7 +2735,7 @@
           <a:bodyPr/>
           <a:lstStyle/>
           <a:p>
-            <a:fld id="{2A782710-BADD-4C7B-BA88-C8D63F38367D}" type="datetime1">
+            <a:fld id="{609458BC-FF8F-4759-9F45-7F632DCDA534}" type="datetime1">
               <a:rPr lang="en-US" altLang="ja-JP" smtClean="0"/>
               <a:t>10/24/2019</a:t>
             </a:fld>
@@ -3011,7 +3011,7 @@
           <a:bodyPr/>
           <a:lstStyle/>
           <a:p>
-            <a:fld id="{9BDE13A7-A1EC-43F0-B6E5-3775D80964F8}" type="datetime1">
+            <a:fld id="{0EF6CEBB-4D29-446B-972D-CF68D8800A26}" type="datetime1">
               <a:rPr lang="en-US" altLang="ja-JP" smtClean="0"/>
               <a:t>10/24/2019</a:t>
             </a:fld>
@@ -3341,7 +3341,7 @@
           <a:bodyPr/>
           <a:lstStyle/>
           <a:p>
-            <a:fld id="{642026BD-E801-472F-8B33-D563EEAE095D}" type="datetime1">
+            <a:fld id="{72AB2F35-3C87-437D-80D6-5E4D9C4314F3}" type="datetime1">
               <a:rPr lang="en-US" altLang="ja-JP" smtClean="0"/>
               <a:t>10/24/2019</a:t>
             </a:fld>
@@ -3818,7 +3818,7 @@
           <a:bodyPr/>
           <a:lstStyle/>
           <a:p>
-            <a:fld id="{C08E4EBE-1634-4BD5-BD83-9E3CEBB52833}" type="datetime1">
+            <a:fld id="{B18BE892-D54A-46AA-A6F9-C4F5E13DD36D}" type="datetime1">
               <a:rPr lang="en-US" altLang="ja-JP" smtClean="0"/>
               <a:t>10/24/2019</a:t>
             </a:fld>
@@ -3960,7 +3960,7 @@
           <a:bodyPr/>
           <a:lstStyle/>
           <a:p>
-            <a:fld id="{FF2BE372-968B-4388-9F82-C8AAC78CC8AA}" type="datetime1">
+            <a:fld id="{18B6222F-5223-4502-A9CD-974774406334}" type="datetime1">
               <a:rPr lang="en-US" altLang="ja-JP" smtClean="0"/>
               <a:t>10/24/2019</a:t>
             </a:fld>
@@ -4074,7 +4074,7 @@
           <a:bodyPr/>
           <a:lstStyle/>
           <a:p>
-            <a:fld id="{FE9F6027-B3B6-4ABA-AF8B-177ED0196055}" type="datetime1">
+            <a:fld id="{0B6EE2D9-9A84-46B6-99F2-DE8421FC0A3E}" type="datetime1">
               <a:rPr lang="en-US" altLang="ja-JP" smtClean="0"/>
               <a:t>10/24/2019</a:t>
             </a:fld>
@@ -4418,7 +4418,7 @@
           <a:bodyPr/>
           <a:lstStyle/>
           <a:p>
-            <a:fld id="{99506EA7-BB2F-4CEA-8160-82824E32A301}" type="datetime1">
+            <a:fld id="{E6B82BE5-246E-4B5E-9C5A-5EFBA750D8C7}" type="datetime1">
               <a:rPr lang="en-US" altLang="ja-JP" smtClean="0"/>
               <a:t>10/24/2019</a:t>
             </a:fld>
@@ -4707,7 +4707,7 @@
           <a:bodyPr/>
           <a:lstStyle/>
           <a:p>
-            <a:fld id="{A4CECC87-EFA8-4828-8CDE-6B364E463BD3}" type="datetime1">
+            <a:fld id="{ECFD8066-C442-436C-BAB2-6540F8C2056E}" type="datetime1">
               <a:rPr lang="en-US" altLang="ja-JP" smtClean="0"/>
               <a:t>10/24/2019</a:t>
             </a:fld>
@@ -4981,7 +4981,7 @@
             </a:lvl1pPr>
           </a:lstStyle>
           <a:p>
-            <a:fld id="{799ABAC1-A205-46B9-BD8C-601461EAB68E}" type="datetime1">
+            <a:fld id="{D505B5F6-83EC-41A6-ADB2-BA11B8B7FF06}" type="datetime1">
               <a:rPr lang="en-US" altLang="ja-JP" smtClean="0"/>
               <a:t>10/24/2019</a:t>
             </a:fld>
@@ -5657,7 +5657,7 @@
       </p:sp>
       <p:pic>
         <p:nvPicPr>
-          <p:cNvPr id="5" name="">
+          <p:cNvPr id="5" name="図 4">
             <a:extLst>
               <a:ext uri="{FF2B5EF4-FFF2-40B4-BE49-F238E27FC236}">
                 <a16:creationId xmlns:a16="http://schemas.microsoft.com/office/drawing/2014/main" id="{D91E502D-F4CB-4F38-BB0D-13FBE04B7E49}"/>
@@ -6017,7 +6017,7 @@
       </p:sp>
       <p:pic>
         <p:nvPicPr>
-          <p:cNvPr id="5" name="">
+          <p:cNvPr id="5" name="図 4">
             <a:extLst>
               <a:ext uri="{FF2B5EF4-FFF2-40B4-BE49-F238E27FC236}">
                 <a16:creationId xmlns:a16="http://schemas.microsoft.com/office/drawing/2014/main" id="{41D3DAA7-2258-4795-B803-56164CCDADC8}"/>
@@ -8214,6 +8214,36 @@
           </a:p>
         </p:txBody>
       </p:sp>
+      <p:sp>
+        <p:nvSpPr>
+          <p:cNvPr id="4" name="スライド番号プレースホルダー 3">
+            <a:extLst>
+              <a:ext uri="{FF2B5EF4-FFF2-40B4-BE49-F238E27FC236}">
+                <a16:creationId xmlns:a16="http://schemas.microsoft.com/office/drawing/2014/main" id="{590EC1D8-B778-4A64-A8B9-033D0982980C}"/>
+              </a:ext>
+            </a:extLst>
+          </p:cNvPr>
+          <p:cNvSpPr>
+            <a:spLocks noGrp="1"/>
+          </p:cNvSpPr>
+          <p:nvPr>
+            <p:ph type="sldNum" sz="quarter" idx="12"/>
+          </p:nvPr>
+        </p:nvSpPr>
+        <p:spPr/>
+        <p:txBody>
+          <a:bodyPr/>
+          <a:lstStyle/>
+          <a:p>
+            <a:fld id="{D57F1E4F-1CFF-5643-939E-217C01CDF565}" type="slidenum">
+              <a:rPr lang="en-US" smtClean="0"/>
+              <a:pPr/>
+              <a:t>6</a:t>
+            </a:fld>
+            <a:endParaRPr lang="en-US" dirty="0"/>
+          </a:p>
+        </p:txBody>
+      </p:sp>
     </p:spTree>
     <p:extLst>
       <p:ext uri="{BB962C8B-B14F-4D97-AF65-F5344CB8AC3E}">
@@ -8537,6 +8567,36 @@
           </a:p>
         </p:txBody>
       </p:sp>
+      <p:sp>
+        <p:nvSpPr>
+          <p:cNvPr id="2" name="スライド番号プレースホルダー 1">
+            <a:extLst>
+              <a:ext uri="{FF2B5EF4-FFF2-40B4-BE49-F238E27FC236}">
+                <a16:creationId xmlns:a16="http://schemas.microsoft.com/office/drawing/2014/main" id="{8AEFB791-790E-408D-A17B-8963281F66BA}"/>
+              </a:ext>
+            </a:extLst>
+          </p:cNvPr>
+          <p:cNvSpPr>
+            <a:spLocks noGrp="1"/>
+          </p:cNvSpPr>
+          <p:nvPr>
+            <p:ph type="sldNum" sz="quarter" idx="12"/>
+          </p:nvPr>
+        </p:nvSpPr>
+        <p:spPr/>
+        <p:txBody>
+          <a:bodyPr/>
+          <a:lstStyle/>
+          <a:p>
+            <a:fld id="{D57F1E4F-1CFF-5643-939E-217C01CDF565}" type="slidenum">
+              <a:rPr lang="en-US" smtClean="0"/>
+              <a:pPr/>
+              <a:t>7</a:t>
+            </a:fld>
+            <a:endParaRPr lang="en-US" dirty="0"/>
+          </a:p>
+        </p:txBody>
+      </p:sp>
     </p:spTree>
     <p:extLst>
       <p:ext uri="{BB962C8B-B14F-4D97-AF65-F5344CB8AC3E}">
@@ -8733,7 +8793,7 @@
         </p:blipFill>
         <p:spPr>
           <a:xfrm>
-            <a:off x="8623527" y="3401522"/>
+            <a:off x="7925027" y="3389599"/>
             <a:ext cx="2945946" cy="2865664"/>
           </a:xfrm>
           <a:prstGeom prst="rect">
@@ -8755,7 +8815,7 @@
         </p:nvSpPr>
         <p:spPr>
           <a:xfrm>
-            <a:off x="7047801" y="6436386"/>
+            <a:off x="6463601" y="6352143"/>
             <a:ext cx="5234007" cy="369332"/>
           </a:xfrm>
           <a:prstGeom prst="rect">
@@ -8820,6 +8880,36 @@
               </a:rPr>
               <a:t>技術関係について</a:t>
             </a:r>
+          </a:p>
+        </p:txBody>
+      </p:sp>
+      <p:sp>
+        <p:nvSpPr>
+          <p:cNvPr id="2" name="スライド番号プレースホルダー 1">
+            <a:extLst>
+              <a:ext uri="{FF2B5EF4-FFF2-40B4-BE49-F238E27FC236}">
+                <a16:creationId xmlns:a16="http://schemas.microsoft.com/office/drawing/2014/main" id="{2C278394-9207-4BCE-9CDC-EDE37355ADA8}"/>
+              </a:ext>
+            </a:extLst>
+          </p:cNvPr>
+          <p:cNvSpPr>
+            <a:spLocks noGrp="1"/>
+          </p:cNvSpPr>
+          <p:nvPr>
+            <p:ph type="sldNum" sz="quarter" idx="12"/>
+          </p:nvPr>
+        </p:nvSpPr>
+        <p:spPr/>
+        <p:txBody>
+          <a:bodyPr/>
+          <a:lstStyle/>
+          <a:p>
+            <a:fld id="{D57F1E4F-1CFF-5643-939E-217C01CDF565}" type="slidenum">
+              <a:rPr lang="en-US" smtClean="0"/>
+              <a:pPr/>
+              <a:t>8</a:t>
+            </a:fld>
+            <a:endParaRPr lang="en-US" dirty="0"/>
           </a:p>
         </p:txBody>
       </p:sp>
@@ -8897,7 +8987,7 @@
       </p:sp>
       <p:pic>
         <p:nvPicPr>
-          <p:cNvPr id="5" name="">
+          <p:cNvPr id="5" name="図 4">
             <a:extLst>
               <a:ext uri="{FF2B5EF4-FFF2-40B4-BE49-F238E27FC236}">
                 <a16:creationId xmlns:a16="http://schemas.microsoft.com/office/drawing/2014/main" id="{2B3ACEBC-C194-4A4B-89D8-A58DE291C466}"/>
